--- a/Presentation for Elena.pptx
+++ b/Presentation for Elena.pptx
@@ -279,7 +279,7 @@
             <a:fld id="{17A39E9D-B438-D94D-AF2A-93757548558C}" type="datetime1">
               <a:rPr lang="nl-NL" altLang="nl-NL"/>
               <a:pPr/>
-              <a:t>20-04-2020</a:t>
+              <a:t>21-04-2020</a:t>
             </a:fld>
             <a:endParaRPr lang="nl-NL" altLang="nl-NL"/>
           </a:p>
@@ -491,7 +491,7 @@
             <a:fld id="{3AA95554-0BC3-EC48-BCE0-DB850053191D}" type="datetime1">
               <a:rPr lang="nl-NL" altLang="nl-NL"/>
               <a:pPr/>
-              <a:t>20-04-2020</a:t>
+              <a:t>21-04-2020</a:t>
             </a:fld>
             <a:endParaRPr lang="nl-NL" altLang="nl-NL"/>
           </a:p>
@@ -1013,7 +1013,7 @@
           <a:p>
             <a:fld id="{9E1ED08B-741D-9E48-95DA-82644AB503BC}" type="datetime1">
               <a:rPr lang="nl-NL" altLang="nl-NL" smtClean="0"/>
-              <a:t>20-04-2020</a:t>
+              <a:t>21-04-2020</a:t>
             </a:fld>
             <a:endParaRPr lang="nl-NL" altLang="nl-NL"/>
           </a:p>
@@ -1277,7 +1277,7 @@
           <a:p>
             <a:fld id="{46CB0545-8C00-A544-A88F-C33FBC7A7630}" type="datetime1">
               <a:rPr lang="nl-NL" altLang="nl-NL" smtClean="0"/>
-              <a:t>20-04-2020</a:t>
+              <a:t>21-04-2020</a:t>
             </a:fld>
             <a:endParaRPr lang="nl-NL" altLang="nl-NL" dirty="0"/>
           </a:p>
@@ -1537,7 +1537,7 @@
               </a14:hiddenLine>
             </a:ext>
             <a:ext uri="{FAA26D3D-D897-4be2-8F04-BA451C77F1D7}">
-              <ma14:placeholderFlag xmlns="" xmlns:ma14="http://schemas.microsoft.com/office/mac/drawingml/2011/main" val="1"/>
+              <ma14:placeholderFlag xmlns:ma14="http://schemas.microsoft.com/office/mac/drawingml/2011/main" xmlns="" val="1"/>
             </a:ext>
           </a:extLst>
         </p:spPr>
@@ -1598,7 +1598,7 @@
               </a14:hiddenLine>
             </a:ext>
             <a:ext uri="{FAA26D3D-D897-4be2-8F04-BA451C77F1D7}">
-              <ma14:placeholderFlag xmlns="" xmlns:ma14="http://schemas.microsoft.com/office/mac/drawingml/2011/main" val="1"/>
+              <ma14:placeholderFlag xmlns:ma14="http://schemas.microsoft.com/office/mac/drawingml/2011/main" xmlns="" val="1"/>
             </a:ext>
           </a:extLst>
         </p:spPr>
@@ -1777,7 +1777,7 @@
             <a:fld id="{B3873A8C-A209-FC40-86BC-D3E9A671FD81}" type="datetime1">
               <a:rPr lang="nl-NL" altLang="nl-NL" smtClean="0"/>
               <a:pPr/>
-              <a:t>20-04-2020</a:t>
+              <a:t>21-04-2020</a:t>
             </a:fld>
             <a:endParaRPr lang="nl-NL" altLang="nl-NL" dirty="0"/>
           </a:p>
@@ -2267,7 +2267,7 @@
               </a14:hiddenLine>
             </a:ext>
             <a:ext uri="{FAA26D3D-D897-4be2-8F04-BA451C77F1D7}">
-              <ma14:placeholderFlag xmlns="" xmlns:ma14="http://schemas.microsoft.com/office/mac/drawingml/2011/main" val="1"/>
+              <ma14:placeholderFlag xmlns:ma14="http://schemas.microsoft.com/office/mac/drawingml/2011/main" xmlns="" val="1"/>
             </a:ext>
           </a:extLst>
         </p:spPr>
@@ -2328,7 +2328,7 @@
               </a14:hiddenLine>
             </a:ext>
             <a:ext uri="{FAA26D3D-D897-4be2-8F04-BA451C77F1D7}">
-              <ma14:placeholderFlag xmlns="" xmlns:ma14="http://schemas.microsoft.com/office/mac/drawingml/2011/main" val="1"/>
+              <ma14:placeholderFlag xmlns:ma14="http://schemas.microsoft.com/office/mac/drawingml/2011/main" xmlns="" val="1"/>
             </a:ext>
           </a:extLst>
         </p:spPr>
@@ -2509,7 +2509,7 @@
             <a:fld id="{FB5CF2AB-20FF-5442-9E53-3C6EDD7FBCEA}" type="datetime1">
               <a:rPr lang="nl-NL" altLang="nl-NL" smtClean="0"/>
               <a:pPr/>
-              <a:t>20-04-2020</a:t>
+              <a:t>21-04-2020</a:t>
             </a:fld>
             <a:endParaRPr lang="nl-NL" altLang="nl-NL" dirty="0"/>
           </a:p>
@@ -2997,335 +2997,6 @@
               <a:t>used</a:t>
             </a:r>
             <a:endParaRPr lang="nl-NL" dirty="0"/>
-          </a:p>
-        </p:txBody>
-      </p:sp>
-      <p:sp>
-        <p:nvSpPr>
-          <p:cNvPr id="5" name="Tijdelijke aanduiding voor inhoud 4"/>
-          <p:cNvSpPr>
-            <a:spLocks noGrp="1"/>
-          </p:cNvSpPr>
-          <p:nvPr>
-            <p:ph idx="1"/>
-          </p:nvPr>
-        </p:nvSpPr>
-        <p:spPr>
-          <a:xfrm>
-            <a:off x="324466" y="929148"/>
-            <a:ext cx="15323573" cy="3923071"/>
-          </a:xfrm>
-        </p:spPr>
-        <p:txBody>
-          <a:bodyPr>
-            <a:normAutofit lnSpcReduction="10000"/>
-          </a:bodyPr>
-          <a:lstStyle/>
-          <a:p>
-            <a:r>
-              <a:rPr lang="nl-NL" sz="2200" dirty="0" err="1"/>
-              <a:t>Our</a:t>
-            </a:r>
-            <a:r>
-              <a:rPr lang="nl-NL" sz="2200" dirty="0"/>
-              <a:t> team name on </a:t>
-            </a:r>
-            <a:r>
-              <a:rPr lang="nl-NL" sz="2200" dirty="0" err="1"/>
-              <a:t>Kaggle</a:t>
-            </a:r>
-            <a:r>
-              <a:rPr lang="nl-NL" sz="2200" dirty="0"/>
-              <a:t> is </a:t>
-            </a:r>
-            <a:r>
-              <a:rPr lang="nl-NL" sz="2200" dirty="0" err="1"/>
-              <a:t>MLiP_Badger</a:t>
-            </a:r>
-            <a:endParaRPr lang="nl-NL" sz="2200" dirty="0"/>
-          </a:p>
-          <a:p>
-            <a:r>
-              <a:rPr lang="nl-NL" sz="2200" dirty="0"/>
-              <a:t>We made </a:t>
-            </a:r>
-            <a:r>
-              <a:rPr lang="nl-NL" sz="2200" dirty="0" err="1"/>
-              <a:t>one</a:t>
-            </a:r>
-            <a:r>
-              <a:rPr lang="nl-NL" sz="2200" dirty="0"/>
-              <a:t> </a:t>
-            </a:r>
-            <a:r>
-              <a:rPr lang="nl-NL" sz="2200" dirty="0" err="1"/>
-              <a:t>submissio</a:t>
-            </a:r>
-            <a:r>
-              <a:rPr lang="nl-NL" sz="2400" dirty="0" err="1"/>
-              <a:t>n</a:t>
-            </a:r>
-            <a:r>
-              <a:rPr lang="nl-NL" sz="2400" dirty="0"/>
-              <a:t> </a:t>
-            </a:r>
-            <a:r>
-              <a:rPr lang="nl-NL" sz="2400" dirty="0" err="1"/>
-              <a:t>with</a:t>
-            </a:r>
-            <a:r>
-              <a:rPr lang="nl-NL" sz="2400" dirty="0"/>
-              <a:t> </a:t>
-            </a:r>
-            <a:r>
-              <a:rPr lang="nl-NL" sz="2400" dirty="0" err="1"/>
-              <a:t>the</a:t>
-            </a:r>
-            <a:r>
-              <a:rPr lang="nl-NL" sz="2400" dirty="0"/>
-              <a:t> </a:t>
-            </a:r>
-            <a:r>
-              <a:rPr lang="nl-NL" sz="2400" dirty="0" err="1"/>
-              <a:t>predition</a:t>
-            </a:r>
-            <a:r>
-              <a:rPr lang="nl-NL" sz="2400" dirty="0"/>
-              <a:t> made </a:t>
-            </a:r>
-            <a:r>
-              <a:rPr lang="nl-NL" sz="2400" dirty="0" err="1"/>
-              <a:t>with</a:t>
-            </a:r>
-            <a:r>
-              <a:rPr lang="nl-NL" sz="2400" dirty="0"/>
-              <a:t> ARIMA model. We </a:t>
-            </a:r>
-            <a:r>
-              <a:rPr lang="nl-NL" sz="2400" dirty="0" err="1"/>
-              <a:t>used</a:t>
-            </a:r>
-            <a:r>
-              <a:rPr lang="nl-NL" sz="2400" dirty="0"/>
-              <a:t> </a:t>
-            </a:r>
-            <a:r>
-              <a:rPr lang="nl-NL" sz="2400" dirty="0" err="1"/>
-              <a:t>implementation</a:t>
-            </a:r>
-            <a:r>
-              <a:rPr lang="nl-NL" sz="2400" dirty="0"/>
-              <a:t> </a:t>
-            </a:r>
-            <a:r>
-              <a:rPr lang="nl-NL" sz="2400" dirty="0" err="1"/>
-              <a:t>from</a:t>
-            </a:r>
-            <a:r>
-              <a:rPr lang="nl-NL" sz="2400" dirty="0"/>
-              <a:t> </a:t>
-            </a:r>
-            <a:r>
-              <a:rPr lang="en-US" sz="2400" dirty="0">
-                <a:hlinkClick r:id="rId2"/>
-              </a:rPr>
-              <a:t>statsmodels</a:t>
-            </a:r>
-            <a:r>
-              <a:rPr lang="en-US" sz="2400" dirty="0"/>
-              <a:t> Python module – SARIMAX function</a:t>
-            </a:r>
-            <a:endParaRPr lang="nl-NL" sz="2400" dirty="0"/>
-          </a:p>
-          <a:p>
-            <a:r>
-              <a:rPr lang="nl-NL" sz="2200" dirty="0"/>
-              <a:t>We </a:t>
-            </a:r>
-            <a:r>
-              <a:rPr lang="nl-NL" sz="2200" dirty="0" err="1"/>
-              <a:t>decided</a:t>
-            </a:r>
-            <a:r>
-              <a:rPr lang="nl-NL" sz="2200" dirty="0"/>
-              <a:t> </a:t>
-            </a:r>
-            <a:r>
-              <a:rPr lang="nl-NL" sz="2200" dirty="0" err="1"/>
-              <a:t>to</a:t>
-            </a:r>
-            <a:r>
-              <a:rPr lang="nl-NL" sz="2200" dirty="0"/>
-              <a:t> experiment </a:t>
-            </a:r>
-            <a:r>
-              <a:rPr lang="nl-NL" sz="2200" dirty="0" err="1"/>
-              <a:t>with</a:t>
-            </a:r>
-            <a:r>
-              <a:rPr lang="nl-NL" sz="2200" dirty="0"/>
-              <a:t> </a:t>
-            </a:r>
-            <a:r>
-              <a:rPr lang="nl-NL" sz="2200" dirty="0" err="1"/>
-              <a:t>this</a:t>
-            </a:r>
-            <a:r>
-              <a:rPr lang="nl-NL" sz="2200" dirty="0"/>
-              <a:t> model </a:t>
-            </a:r>
-            <a:r>
-              <a:rPr lang="nl-NL" sz="2200" dirty="0" err="1"/>
-              <a:t>because</a:t>
-            </a:r>
-            <a:r>
-              <a:rPr lang="nl-NL" sz="2200" dirty="0"/>
-              <a:t> (</a:t>
-            </a:r>
-            <a:r>
-              <a:rPr lang="nl-NL" sz="2200" dirty="0" err="1"/>
-              <a:t>why</a:t>
-            </a:r>
-            <a:r>
-              <a:rPr lang="nl-NL" sz="2200" dirty="0"/>
-              <a:t>? As far as I </a:t>
-            </a:r>
-            <a:r>
-              <a:rPr lang="nl-NL" sz="2200" dirty="0" err="1"/>
-              <a:t>can</a:t>
-            </a:r>
-            <a:r>
-              <a:rPr lang="nl-NL" sz="2200" dirty="0"/>
-              <a:t> </a:t>
-            </a:r>
-            <a:r>
-              <a:rPr lang="nl-NL" sz="2200" dirty="0" err="1"/>
-              <a:t>see</a:t>
-            </a:r>
-            <a:r>
-              <a:rPr lang="nl-NL" sz="2200" dirty="0"/>
-              <a:t> </a:t>
-            </a:r>
-            <a:r>
-              <a:rPr lang="nl-NL" sz="2200" dirty="0" err="1"/>
-              <a:t>now</a:t>
-            </a:r>
-            <a:r>
-              <a:rPr lang="nl-NL" sz="2200" dirty="0"/>
-              <a:t> </a:t>
-            </a:r>
-            <a:r>
-              <a:rPr lang="nl-NL" sz="2200" dirty="0" err="1"/>
-              <a:t>the</a:t>
-            </a:r>
-            <a:r>
-              <a:rPr lang="nl-NL" sz="2200" dirty="0"/>
-              <a:t> </a:t>
-            </a:r>
-            <a:r>
-              <a:rPr lang="nl-NL" sz="2200" dirty="0" err="1"/>
-              <a:t>used</a:t>
-            </a:r>
-            <a:r>
-              <a:rPr lang="nl-NL" sz="2200" dirty="0"/>
-              <a:t> </a:t>
-            </a:r>
-            <a:r>
-              <a:rPr lang="nl-NL" sz="2200" dirty="0" err="1"/>
-              <a:t>implementation</a:t>
-            </a:r>
-            <a:r>
-              <a:rPr lang="nl-NL" sz="2200" dirty="0"/>
-              <a:t> </a:t>
-            </a:r>
-            <a:r>
-              <a:rPr lang="nl-NL" sz="2200" dirty="0" err="1"/>
-              <a:t>allows</a:t>
-            </a:r>
-            <a:r>
-              <a:rPr lang="nl-NL" sz="2200" dirty="0"/>
-              <a:t> </a:t>
-            </a:r>
-            <a:r>
-              <a:rPr lang="nl-NL" sz="2200" dirty="0" err="1"/>
-              <a:t>to</a:t>
-            </a:r>
-            <a:r>
-              <a:rPr lang="nl-NL" sz="2200" dirty="0"/>
-              <a:t> </a:t>
-            </a:r>
-            <a:r>
-              <a:rPr lang="nl-NL" sz="2200" dirty="0" err="1"/>
-              <a:t>try</a:t>
-            </a:r>
-            <a:r>
-              <a:rPr lang="nl-NL" sz="2200" dirty="0"/>
-              <a:t> different options: ARIMA, ARIMAX, SARIMAX, </a:t>
-            </a:r>
-            <a:r>
-              <a:rPr lang="nl-NL" sz="2200" dirty="0" err="1"/>
-              <a:t>this</a:t>
-            </a:r>
-            <a:r>
-              <a:rPr lang="nl-NL" sz="2200" dirty="0"/>
-              <a:t> </a:t>
-            </a:r>
-            <a:r>
-              <a:rPr lang="nl-NL" sz="2200" dirty="0" err="1"/>
-              <a:t>could</a:t>
-            </a:r>
-            <a:r>
-              <a:rPr lang="nl-NL" sz="2200" dirty="0"/>
-              <a:t> </a:t>
-            </a:r>
-            <a:r>
-              <a:rPr lang="nl-NL" sz="2200" dirty="0" err="1"/>
-              <a:t>be</a:t>
-            </a:r>
-            <a:r>
-              <a:rPr lang="nl-NL" sz="2200" dirty="0"/>
-              <a:t> </a:t>
-            </a:r>
-            <a:r>
-              <a:rPr lang="nl-NL" sz="2200" dirty="0" err="1"/>
-              <a:t>an</a:t>
-            </a:r>
-            <a:r>
-              <a:rPr lang="nl-NL" sz="2200" dirty="0"/>
-              <a:t> argument)</a:t>
-            </a:r>
-          </a:p>
-          <a:p>
-            <a:r>
-              <a:rPr lang="ru-RU" sz="2200" dirty="0"/>
-              <a:t>70 (?) </a:t>
-            </a:r>
-            <a:r>
-              <a:rPr lang="en-US" sz="2200" dirty="0"/>
-              <a:t>last samples are used as training data</a:t>
-            </a:r>
-          </a:p>
-          <a:p>
-            <a:r>
-              <a:rPr lang="nl-NL" sz="2200" dirty="0"/>
-              <a:t>Public score </a:t>
-            </a:r>
-            <a:r>
-              <a:rPr lang="ru-RU" sz="2200" dirty="0"/>
-              <a:t>1.08216</a:t>
-            </a:r>
-            <a:endParaRPr lang="en-US" sz="2200" dirty="0"/>
-          </a:p>
-          <a:p>
-            <a:r>
-              <a:rPr lang="en-US" sz="2200" dirty="0"/>
-              <a:t>This helped to figure our how default Kaggle submission works (not from a notebook). Submission was made via Kaggle </a:t>
-            </a:r>
-            <a:r>
-              <a:rPr lang="en-US" sz="2200" dirty="0" err="1"/>
-              <a:t>api</a:t>
-            </a:r>
-            <a:endParaRPr lang="nl-NL" sz="2200" dirty="0"/>
           </a:p>
         </p:txBody>
       </p:sp>
@@ -3374,7 +3045,7 @@
               </a14:hiddenLine>
             </a:ext>
             <a:ext uri="{FAA26D3D-D897-4be2-8F04-BA451C77F1D7}">
-              <ma14:placeholderFlag xmlns="" xmlns:ma14="http://schemas.microsoft.com/office/mac/drawingml/2011/main" val="1"/>
+              <ma14:placeholderFlag xmlns:ma14="http://schemas.microsoft.com/office/mac/drawingml/2011/main" xmlns="" val="1"/>
             </a:ext>
           </a:extLst>
         </p:spPr>
@@ -3610,6 +3281,397 @@
               <a:t>In the feedback for the previous challenge report it was said that the passed code could be documented better. From our point of view the comments were rather detailed. Can we get more specific requirements of how the code should be documented?</a:t>
             </a:r>
             <a:endParaRPr lang="ru-RU" sz="2200" dirty="0">
+              <a:latin typeface="+mn-lt"/>
+            </a:endParaRPr>
+          </a:p>
+        </p:txBody>
+      </p:sp>
+      <p:sp>
+        <p:nvSpPr>
+          <p:cNvPr id="3" name="TextBox 2">
+            <a:extLst>
+              <a:ext uri="{FF2B5EF4-FFF2-40B4-BE49-F238E27FC236}">
+                <a16:creationId xmlns:a16="http://schemas.microsoft.com/office/drawing/2014/main" id="{FCD3331A-9AAE-0443-99B5-8ED020E0837A}"/>
+              </a:ext>
+            </a:extLst>
+          </p:cNvPr>
+          <p:cNvSpPr txBox="1"/>
+          <p:nvPr/>
+        </p:nvSpPr>
+        <p:spPr>
+          <a:xfrm>
+            <a:off x="486696" y="929148"/>
+            <a:ext cx="15308827" cy="4093428"/>
+          </a:xfrm>
+          <a:prstGeom prst="rect">
+            <a:avLst/>
+          </a:prstGeom>
+          <a:noFill/>
+        </p:spPr>
+        <p:txBody>
+          <a:bodyPr wrap="square" rtlCol="0">
+            <a:spAutoFit/>
+          </a:bodyPr>
+          <a:lstStyle/>
+          <a:p>
+            <a:pPr marL="457200" indent="-457200">
+              <a:buFont typeface="Arial" panose="020B0604020202020204" pitchFamily="34" charset="0"/>
+              <a:buChar char="•"/>
+            </a:pPr>
+            <a:r>
+              <a:rPr lang="nl-NL" sz="2000" dirty="0" err="1"/>
+              <a:t>Our</a:t>
+            </a:r>
+            <a:r>
+              <a:rPr lang="nl-NL" sz="2000" dirty="0"/>
+              <a:t> team name on </a:t>
+            </a:r>
+            <a:r>
+              <a:rPr lang="nl-NL" sz="2000" dirty="0" err="1"/>
+              <a:t>Kaggle</a:t>
+            </a:r>
+            <a:r>
+              <a:rPr lang="nl-NL" sz="2000" dirty="0"/>
+              <a:t> is </a:t>
+            </a:r>
+            <a:r>
+              <a:rPr lang="nl-NL" sz="2000" dirty="0" err="1"/>
+              <a:t>MLiP_Badger</a:t>
+            </a:r>
+            <a:endParaRPr lang="nl-NL" sz="2000" dirty="0"/>
+          </a:p>
+          <a:p>
+            <a:pPr marL="457200" indent="-457200">
+              <a:buFont typeface="Arial" panose="020B0604020202020204" pitchFamily="34" charset="0"/>
+              <a:buChar char="•"/>
+            </a:pPr>
+            <a:r>
+              <a:rPr lang="nl-NL" sz="2000" dirty="0"/>
+              <a:t>We made </a:t>
+            </a:r>
+            <a:r>
+              <a:rPr lang="nl-NL" sz="2000" dirty="0" err="1"/>
+              <a:t>one</a:t>
+            </a:r>
+            <a:r>
+              <a:rPr lang="nl-NL" sz="2000" dirty="0"/>
+              <a:t> </a:t>
+            </a:r>
+            <a:r>
+              <a:rPr lang="nl-NL" sz="2000" dirty="0" err="1"/>
+              <a:t>submission</a:t>
+            </a:r>
+            <a:r>
+              <a:rPr lang="nl-NL" sz="2000" dirty="0"/>
+              <a:t> </a:t>
+            </a:r>
+            <a:r>
+              <a:rPr lang="nl-NL" sz="2000" dirty="0" err="1"/>
+              <a:t>with</a:t>
+            </a:r>
+            <a:r>
+              <a:rPr lang="nl-NL" sz="2000" dirty="0"/>
+              <a:t> </a:t>
+            </a:r>
+            <a:r>
+              <a:rPr lang="nl-NL" sz="2000" dirty="0" err="1"/>
+              <a:t>the</a:t>
+            </a:r>
+            <a:r>
+              <a:rPr lang="nl-NL" sz="2000" dirty="0"/>
+              <a:t> </a:t>
+            </a:r>
+            <a:r>
+              <a:rPr lang="nl-NL" sz="2000" dirty="0" err="1"/>
+              <a:t>predition</a:t>
+            </a:r>
+            <a:r>
+              <a:rPr lang="nl-NL" sz="2000" dirty="0"/>
+              <a:t> made </a:t>
+            </a:r>
+            <a:r>
+              <a:rPr lang="nl-NL" sz="2000" dirty="0" err="1"/>
+              <a:t>with</a:t>
+            </a:r>
+            <a:r>
+              <a:rPr lang="nl-NL" sz="2000" dirty="0"/>
+              <a:t> ARIMA model. We </a:t>
+            </a:r>
+            <a:r>
+              <a:rPr lang="nl-NL" sz="2000" dirty="0" err="1"/>
+              <a:t>used</a:t>
+            </a:r>
+            <a:r>
+              <a:rPr lang="nl-NL" sz="2000" dirty="0"/>
+              <a:t> </a:t>
+            </a:r>
+            <a:r>
+              <a:rPr lang="nl-NL" sz="2000" dirty="0" err="1"/>
+              <a:t>implementation</a:t>
+            </a:r>
+            <a:r>
+              <a:rPr lang="nl-NL" sz="2000" dirty="0"/>
+              <a:t> </a:t>
+            </a:r>
+            <a:r>
+              <a:rPr lang="nl-NL" sz="2000" dirty="0" err="1"/>
+              <a:t>from</a:t>
+            </a:r>
+            <a:r>
+              <a:rPr lang="nl-NL" sz="2000" dirty="0"/>
+              <a:t> </a:t>
+            </a:r>
+            <a:r>
+              <a:rPr lang="en-US" sz="2000" dirty="0">
+                <a:hlinkClick r:id="rId2"/>
+              </a:rPr>
+              <a:t>statsmodels</a:t>
+            </a:r>
+            <a:r>
+              <a:rPr lang="en-US" sz="2000" dirty="0"/>
+              <a:t> Python module – SARIMAX function</a:t>
+            </a:r>
+          </a:p>
+          <a:p>
+            <a:pPr marL="457200" indent="-457200">
+              <a:buFont typeface="Arial" panose="020B0604020202020204" pitchFamily="34" charset="0"/>
+              <a:buChar char="•"/>
+            </a:pPr>
+            <a:r>
+              <a:rPr lang="nl-NL" sz="2000" dirty="0"/>
+              <a:t>We </a:t>
+            </a:r>
+            <a:r>
+              <a:rPr lang="nl-NL" sz="2000" dirty="0" err="1"/>
+              <a:t>decided</a:t>
+            </a:r>
+            <a:r>
+              <a:rPr lang="nl-NL" sz="2000" dirty="0"/>
+              <a:t> </a:t>
+            </a:r>
+            <a:r>
+              <a:rPr lang="nl-NL" sz="2000" dirty="0" err="1"/>
+              <a:t>to</a:t>
+            </a:r>
+            <a:r>
+              <a:rPr lang="nl-NL" sz="2000" dirty="0"/>
+              <a:t> experiment </a:t>
+            </a:r>
+            <a:r>
+              <a:rPr lang="nl-NL" sz="2000" dirty="0" err="1"/>
+              <a:t>with</a:t>
+            </a:r>
+            <a:r>
+              <a:rPr lang="nl-NL" sz="2000" dirty="0"/>
+              <a:t> </a:t>
+            </a:r>
+            <a:r>
+              <a:rPr lang="nl-NL" sz="2000" dirty="0" err="1"/>
+              <a:t>this</a:t>
+            </a:r>
+            <a:r>
+              <a:rPr lang="nl-NL" sz="2000" dirty="0"/>
+              <a:t> model </a:t>
+            </a:r>
+            <a:r>
+              <a:rPr lang="nl-NL" sz="2000" dirty="0" err="1"/>
+              <a:t>because</a:t>
+            </a:r>
+            <a:r>
+              <a:rPr lang="nl-NL" sz="2000" dirty="0"/>
+              <a:t> (</a:t>
+            </a:r>
+            <a:r>
+              <a:rPr lang="nl-NL" sz="2000" dirty="0" err="1"/>
+              <a:t>why</a:t>
+            </a:r>
+            <a:r>
+              <a:rPr lang="nl-NL" sz="2000" dirty="0"/>
+              <a:t>? As far as I </a:t>
+            </a:r>
+            <a:r>
+              <a:rPr lang="nl-NL" sz="2000" dirty="0" err="1"/>
+              <a:t>can</a:t>
+            </a:r>
+            <a:r>
+              <a:rPr lang="nl-NL" sz="2000" dirty="0"/>
+              <a:t> </a:t>
+            </a:r>
+            <a:r>
+              <a:rPr lang="nl-NL" sz="2000" dirty="0" err="1"/>
+              <a:t>see</a:t>
+            </a:r>
+            <a:r>
+              <a:rPr lang="nl-NL" sz="2000" dirty="0"/>
+              <a:t> </a:t>
+            </a:r>
+            <a:r>
+              <a:rPr lang="nl-NL" sz="2000" dirty="0" err="1"/>
+              <a:t>now</a:t>
+            </a:r>
+            <a:r>
+              <a:rPr lang="nl-NL" sz="2000" dirty="0"/>
+              <a:t> </a:t>
+            </a:r>
+            <a:r>
+              <a:rPr lang="nl-NL" sz="2000" dirty="0" err="1"/>
+              <a:t>the</a:t>
+            </a:r>
+            <a:r>
+              <a:rPr lang="nl-NL" sz="2000" dirty="0"/>
+              <a:t> </a:t>
+            </a:r>
+            <a:r>
+              <a:rPr lang="nl-NL" sz="2000" dirty="0" err="1"/>
+              <a:t>used</a:t>
+            </a:r>
+            <a:r>
+              <a:rPr lang="nl-NL" sz="2000" dirty="0"/>
+              <a:t> </a:t>
+            </a:r>
+            <a:r>
+              <a:rPr lang="nl-NL" sz="2000" dirty="0" err="1"/>
+              <a:t>implementation</a:t>
+            </a:r>
+            <a:r>
+              <a:rPr lang="nl-NL" sz="2000" dirty="0"/>
+              <a:t> </a:t>
+            </a:r>
+            <a:r>
+              <a:rPr lang="nl-NL" sz="2000" dirty="0" err="1"/>
+              <a:t>allows</a:t>
+            </a:r>
+            <a:r>
+              <a:rPr lang="nl-NL" sz="2000" dirty="0"/>
+              <a:t> </a:t>
+            </a:r>
+            <a:r>
+              <a:rPr lang="nl-NL" sz="2000" dirty="0" err="1"/>
+              <a:t>to</a:t>
+            </a:r>
+            <a:r>
+              <a:rPr lang="nl-NL" sz="2000" dirty="0"/>
+              <a:t> </a:t>
+            </a:r>
+            <a:r>
+              <a:rPr lang="nl-NL" sz="2000" dirty="0" err="1"/>
+              <a:t>try</a:t>
+            </a:r>
+            <a:r>
+              <a:rPr lang="nl-NL" sz="2000" dirty="0"/>
+              <a:t> different options: ARIMA, ARIMAX, SARIMAX, </a:t>
+            </a:r>
+            <a:r>
+              <a:rPr lang="nl-NL" sz="2000" dirty="0" err="1"/>
+              <a:t>this</a:t>
+            </a:r>
+            <a:r>
+              <a:rPr lang="nl-NL" sz="2000" dirty="0"/>
+              <a:t> </a:t>
+            </a:r>
+            <a:r>
+              <a:rPr lang="nl-NL" sz="2000" dirty="0" err="1"/>
+              <a:t>could</a:t>
+            </a:r>
+            <a:r>
+              <a:rPr lang="nl-NL" sz="2000" dirty="0"/>
+              <a:t> </a:t>
+            </a:r>
+            <a:r>
+              <a:rPr lang="nl-NL" sz="2000" dirty="0" err="1"/>
+              <a:t>be</a:t>
+            </a:r>
+            <a:r>
+              <a:rPr lang="nl-NL" sz="2000" dirty="0"/>
+              <a:t> </a:t>
+            </a:r>
+            <a:r>
+              <a:rPr lang="nl-NL" sz="2000" dirty="0" err="1"/>
+              <a:t>an</a:t>
+            </a:r>
+            <a:r>
+              <a:rPr lang="nl-NL" sz="2000" dirty="0"/>
+              <a:t> argument)</a:t>
+            </a:r>
+          </a:p>
+          <a:p>
+            <a:pPr marL="457200" indent="-457200">
+              <a:buFont typeface="Arial" panose="020B0604020202020204" pitchFamily="34" charset="0"/>
+              <a:buChar char="•"/>
+            </a:pPr>
+            <a:r>
+              <a:rPr lang="ru-RU" sz="2000" dirty="0"/>
+              <a:t>70 (?) </a:t>
+            </a:r>
+            <a:r>
+              <a:rPr lang="en-US" sz="2000" dirty="0"/>
+              <a:t>last samples are used as training data</a:t>
+            </a:r>
+          </a:p>
+          <a:p>
+            <a:pPr marL="457200" indent="-457200">
+              <a:buFont typeface="Arial" panose="020B0604020202020204" pitchFamily="34" charset="0"/>
+              <a:buChar char="•"/>
+            </a:pPr>
+            <a:r>
+              <a:rPr lang="nl-NL" sz="2000" dirty="0"/>
+              <a:t>Public score </a:t>
+            </a:r>
+            <a:r>
+              <a:rPr lang="ru-RU" sz="2000" dirty="0"/>
+              <a:t>1.08216</a:t>
+            </a:r>
+            <a:endParaRPr lang="en-US" sz="2000" dirty="0"/>
+          </a:p>
+          <a:p>
+            <a:pPr marL="457200" indent="-457200">
+              <a:buFont typeface="Arial" panose="020B0604020202020204" pitchFamily="34" charset="0"/>
+              <a:buChar char="•"/>
+            </a:pPr>
+            <a:r>
+              <a:rPr lang="en-US" sz="2000" dirty="0"/>
+              <a:t>This helped to figure our how default Kaggle submission works (not from a notebook). Submission was made via Kaggle </a:t>
+            </a:r>
+            <a:r>
+              <a:rPr lang="en-US" sz="2000" dirty="0" err="1"/>
+              <a:t>api</a:t>
+            </a:r>
+            <a:endParaRPr lang="nl-NL" sz="2000" dirty="0"/>
+          </a:p>
+          <a:p>
+            <a:pPr marL="457200" indent="-457200">
+              <a:buFont typeface="Arial" panose="020B0604020202020204" pitchFamily="34" charset="0"/>
+              <a:buChar char="•"/>
+            </a:pPr>
+            <a:endParaRPr lang="en-US" sz="2000" dirty="0"/>
+          </a:p>
+          <a:p>
+            <a:pPr marL="457200" indent="-457200">
+              <a:buFont typeface="Arial" panose="020B0604020202020204" pitchFamily="34" charset="0"/>
+              <a:buChar char="•"/>
+            </a:pPr>
+            <a:endParaRPr lang="nl-NL" sz="2000" dirty="0"/>
+          </a:p>
+          <a:p>
+            <a:pPr marL="457200" indent="-457200">
+              <a:buFont typeface="Arial" panose="020B0604020202020204" pitchFamily="34" charset="0"/>
+              <a:buChar char="•"/>
+            </a:pPr>
+            <a:endParaRPr lang="nl-NL" sz="2000" dirty="0"/>
+          </a:p>
+          <a:p>
+            <a:pPr marL="457200" indent="-457200">
+              <a:buFont typeface="Arial" panose="020B0604020202020204" pitchFamily="34" charset="0"/>
+              <a:buChar char="•"/>
+            </a:pPr>
+            <a:endParaRPr lang="nl-NL" sz="2000" dirty="0"/>
+          </a:p>
+          <a:p>
+            <a:pPr marL="457200" indent="-457200">
+              <a:buFont typeface="Arial" panose="020B0604020202020204" pitchFamily="34" charset="0"/>
+              <a:buChar char="•"/>
+            </a:pPr>
+            <a:endParaRPr lang="ru-RU" sz="2000" dirty="0">
               <a:latin typeface="+mn-lt"/>
             </a:endParaRPr>
           </a:p>

--- a/Presentation for Elena.pptx
+++ b/Presentation for Elena.pptx
@@ -2952,8 +2952,8 @@
         </p:nvSpPr>
         <p:spPr>
           <a:xfrm>
-            <a:off x="324466" y="324465"/>
-            <a:ext cx="6371302" cy="604683"/>
+            <a:off x="324466" y="1"/>
+            <a:ext cx="6371302" cy="575186"/>
           </a:xfrm>
         </p:spPr>
         <p:txBody>
@@ -3016,8 +3016,8 @@
         </p:nvSpPr>
         <p:spPr bwMode="auto">
           <a:xfrm>
-            <a:off x="486696" y="4852219"/>
-            <a:ext cx="6386053" cy="501446"/>
+            <a:off x="486696" y="3333142"/>
+            <a:ext cx="6386053" cy="604684"/>
           </a:xfrm>
           <a:prstGeom prst="rect">
             <a:avLst/>
@@ -3208,8 +3208,8 @@
         </p:nvSpPr>
         <p:spPr>
           <a:xfrm>
-            <a:off x="486696" y="5353665"/>
-            <a:ext cx="15603793" cy="3477875"/>
+            <a:off x="486696" y="3864089"/>
+            <a:ext cx="15603793" cy="5170646"/>
           </a:xfrm>
           <a:prstGeom prst="rect">
             <a:avLst/>
@@ -3222,67 +3222,65 @@
           </a:bodyPr>
           <a:lstStyle/>
           <a:p>
-            <a:pPr marL="457200" indent="-457200">
-              <a:buFont typeface="Arial" panose="020B0604020202020204" pitchFamily="34" charset="0"/>
-              <a:buChar char="•"/>
-            </a:pPr>
             <a:r>
               <a:rPr lang="en-US" sz="2200" dirty="0">
                 <a:latin typeface="+mn-lt"/>
               </a:rPr>
-              <a:t>This challenge seems to require more understanding of theory than the previous one. What would be you advise about the best way to approach it? Is it a good idea to devote a couple of weeks to studying theory and only then start to implement methods more advanced that baseline?</a:t>
-            </a:r>
-          </a:p>
-          <a:p>
-            <a:pPr marL="457200" indent="-457200">
-              <a:buFont typeface="Arial" panose="020B0604020202020204" pitchFamily="34" charset="0"/>
-              <a:buChar char="•"/>
-            </a:pPr>
+              <a:t>•This challenge seems to require more understanding of theory than the previous one. What would be you advise about the best way to approach it? Is it a good idea to devote a couple of weeks to studying theory and only then start to implement methods more advanced than baseline?</a:t>
+            </a:r>
+          </a:p>
+          <a:p>
             <a:r>
               <a:rPr lang="en-US" sz="2200" dirty="0">
                 <a:latin typeface="+mn-lt"/>
               </a:rPr>
-              <a:t>We would like to receive better grade for this challenge than for the previous one. We understood the main problems with our approach from the feedback and will try to improve our work. Nevertheless, we want to know what the main evaluation criteria are and what is considered good/ very good work for the course?</a:t>
-            </a:r>
-          </a:p>
-          <a:p>
-            <a:pPr marL="457200" indent="-457200">
-              <a:buFont typeface="Arial" panose="020B0604020202020204" pitchFamily="34" charset="0"/>
-              <a:buChar char="•"/>
-            </a:pPr>
+              <a:t>•We would like to receive a better grade for this challenge than for the previous one. We understood the main problems with our approach from the feedback and will try to improve our work. Nevertheless, we want to know what the main evaluation criteria are and what is considered good/ very good work for the course?</a:t>
+            </a:r>
+          </a:p>
+          <a:p>
             <a:r>
               <a:rPr lang="en-US" sz="2200" dirty="0">
                 <a:latin typeface="+mn-lt"/>
               </a:rPr>
-              <a:t>Will tackling both competitions increase the grade?</a:t>
-            </a:r>
-          </a:p>
-          <a:p>
-            <a:pPr marL="457200" indent="-457200">
-              <a:buFont typeface="Arial" panose="020B0604020202020204" pitchFamily="34" charset="0"/>
-              <a:buChar char="•"/>
-            </a:pPr>
+              <a:t>•Will tackling both competitions increase the grade?</a:t>
+            </a:r>
+          </a:p>
+          <a:p>
             <a:r>
               <a:rPr lang="en-US" sz="2200" dirty="0">
                 <a:latin typeface="+mn-lt"/>
               </a:rPr>
-              <a:t>How important the score on the Kaggle leaderboard is?</a:t>
-            </a:r>
-          </a:p>
-          <a:p>
-            <a:pPr marL="457200" indent="-457200">
-              <a:buFont typeface="Arial" panose="020B0604020202020204" pitchFamily="34" charset="0"/>
-              <a:buChar char="•"/>
-            </a:pPr>
+              <a:t>•For the first challenge on of the received comments was “Work mainly based on existing Kaggle kernels”. We disagree with this since data generation + augmentation code is our own and also for the tried architectures we wrote the code ourselves.  Loading of the data, images cropping, processing in batches for prediction and submission are taken from existing kernels, but isn’t it a good idea not to spend time on writing boilerplate code?</a:t>
+            </a:r>
+          </a:p>
+          <a:p>
             <a:r>
               <a:rPr lang="en-US" sz="2200" dirty="0">
                 <a:latin typeface="+mn-lt"/>
               </a:rPr>
-              <a:t>In the feedback for the previous challenge report it was said that the passed code could be documented better. From our point of view the comments were rather detailed. Can we get more specific requirements of how the code should be documented?</a:t>
-            </a:r>
-            <a:endParaRPr lang="ru-RU" sz="2200" dirty="0">
-              <a:latin typeface="+mn-lt"/>
-            </a:endParaRPr>
+              <a:t>•Another comment was that the passed code could be documented better. From our point of view, the comments were rather detailed. Can we get more specific requirements of how the code should be documented?</a:t>
+            </a:r>
+          </a:p>
+          <a:p>
+            <a:r>
+              <a:rPr lang="en-US" sz="2200" dirty="0">
+                <a:latin typeface="+mn-lt"/>
+              </a:rPr>
+              <a:t>•How important is the score on the Kaggle leaderboard?</a:t>
+            </a:r>
+          </a:p>
+          <a:p>
+            <a:r>
+              <a:rPr lang="en-US" sz="2200" dirty="0"/>
+              <a:t>• </a:t>
+            </a:r>
+            <a:r>
+              <a:rPr lang="en-US" sz="2200" dirty="0">
+                <a:latin typeface="+mn-lt"/>
+              </a:rPr>
+              <a:t>How do we build on each other work without blocking each other? </a:t>
+            </a:r>
+            <a:endParaRPr lang="en-US" sz="2200" dirty="0"/>
           </a:p>
         </p:txBody>
       </p:sp>
@@ -3300,8 +3298,8 @@
         </p:nvSpPr>
         <p:spPr>
           <a:xfrm>
-            <a:off x="486696" y="929148"/>
-            <a:ext cx="15308827" cy="4093428"/>
+            <a:off x="486697" y="589941"/>
+            <a:ext cx="15603792" cy="2800767"/>
           </a:xfrm>
           <a:prstGeom prst="rect">
             <a:avLst/>
@@ -3314,366 +3312,66 @@
           </a:bodyPr>
           <a:lstStyle/>
           <a:p>
-            <a:pPr marL="457200" indent="-457200">
-              <a:buFont typeface="Arial" panose="020B0604020202020204" pitchFamily="34" charset="0"/>
-              <a:buChar char="•"/>
-            </a:pPr>
-            <a:r>
-              <a:rPr lang="nl-NL" sz="2000" dirty="0" err="1"/>
-              <a:t>Our</a:t>
-            </a:r>
-            <a:r>
-              <a:rPr lang="nl-NL" sz="2000" dirty="0"/>
-              <a:t> team name on </a:t>
-            </a:r>
-            <a:r>
-              <a:rPr lang="nl-NL" sz="2000" dirty="0" err="1"/>
-              <a:t>Kaggle</a:t>
-            </a:r>
-            <a:r>
-              <a:rPr lang="nl-NL" sz="2000" dirty="0"/>
-              <a:t> is </a:t>
-            </a:r>
-            <a:r>
-              <a:rPr lang="nl-NL" sz="2000" dirty="0" err="1"/>
+            <a:r>
+              <a:rPr lang="en-US" sz="2200" dirty="0">
+                <a:latin typeface="+mn-lt"/>
+              </a:rPr>
+              <a:t>•Our team name on Kaggle is </a:t>
+            </a:r>
+            <a:r>
+              <a:rPr lang="en-US" sz="2200" dirty="0" err="1">
+                <a:latin typeface="+mn-lt"/>
+              </a:rPr>
               <a:t>MLiP_Badger</a:t>
             </a:r>
-            <a:endParaRPr lang="nl-NL" sz="2000" dirty="0"/>
-          </a:p>
-          <a:p>
-            <a:pPr marL="457200" indent="-457200">
-              <a:buFont typeface="Arial" panose="020B0604020202020204" pitchFamily="34" charset="0"/>
-              <a:buChar char="•"/>
-            </a:pPr>
-            <a:r>
-              <a:rPr lang="nl-NL" sz="2000" dirty="0"/>
-              <a:t>We made </a:t>
-            </a:r>
-            <a:r>
-              <a:rPr lang="nl-NL" sz="2000" dirty="0" err="1"/>
-              <a:t>one</a:t>
-            </a:r>
-            <a:r>
-              <a:rPr lang="nl-NL" sz="2000" dirty="0"/>
-              <a:t> </a:t>
-            </a:r>
-            <a:r>
-              <a:rPr lang="nl-NL" sz="2000" dirty="0" err="1"/>
-              <a:t>submission</a:t>
-            </a:r>
-            <a:r>
-              <a:rPr lang="nl-NL" sz="2000" dirty="0"/>
-              <a:t> </a:t>
-            </a:r>
-            <a:r>
-              <a:rPr lang="nl-NL" sz="2000" dirty="0" err="1"/>
-              <a:t>with</a:t>
-            </a:r>
-            <a:r>
-              <a:rPr lang="nl-NL" sz="2000" dirty="0"/>
-              <a:t> </a:t>
-            </a:r>
-            <a:r>
-              <a:rPr lang="nl-NL" sz="2000" dirty="0" err="1"/>
-              <a:t>the</a:t>
-            </a:r>
-            <a:r>
-              <a:rPr lang="nl-NL" sz="2000" dirty="0"/>
-              <a:t> </a:t>
-            </a:r>
-            <a:r>
-              <a:rPr lang="nl-NL" sz="2000" dirty="0" err="1"/>
-              <a:t>predition</a:t>
-            </a:r>
-            <a:r>
-              <a:rPr lang="nl-NL" sz="2000" dirty="0"/>
-              <a:t> made </a:t>
-            </a:r>
-            <a:r>
-              <a:rPr lang="nl-NL" sz="2000" dirty="0" err="1"/>
-              <a:t>with</a:t>
-            </a:r>
-            <a:r>
-              <a:rPr lang="nl-NL" sz="2000" dirty="0"/>
-              <a:t> ARIMA model. We </a:t>
-            </a:r>
-            <a:r>
-              <a:rPr lang="nl-NL" sz="2000" dirty="0" err="1"/>
-              <a:t>used</a:t>
-            </a:r>
-            <a:r>
-              <a:rPr lang="nl-NL" sz="2000" dirty="0"/>
-              <a:t> </a:t>
-            </a:r>
-            <a:r>
-              <a:rPr lang="nl-NL" sz="2000" dirty="0" err="1"/>
-              <a:t>implementation</a:t>
-            </a:r>
-            <a:r>
-              <a:rPr lang="nl-NL" sz="2000" dirty="0"/>
-              <a:t> </a:t>
-            </a:r>
-            <a:r>
-              <a:rPr lang="nl-NL" sz="2000" dirty="0" err="1"/>
-              <a:t>from</a:t>
-            </a:r>
-            <a:r>
-              <a:rPr lang="nl-NL" sz="2000" dirty="0"/>
-              <a:t> </a:t>
-            </a:r>
-            <a:r>
-              <a:rPr lang="en-US" sz="2000" dirty="0">
+            <a:endParaRPr lang="en-US" sz="2200" dirty="0">
+              <a:latin typeface="+mn-lt"/>
+            </a:endParaRPr>
+          </a:p>
+          <a:p>
+            <a:r>
+              <a:rPr lang="en-US" sz="2200" dirty="0">
+                <a:latin typeface="+mn-lt"/>
+              </a:rPr>
+              <a:t>•To get started we chose ARIMA. It is slightly more advanced than other baselines and it is possible to try different versions of this model. Information about seasonality and other features can be added too(SARIMA)</a:t>
+            </a:r>
+          </a:p>
+          <a:p>
+            <a:r>
+              <a:rPr lang="en-US" sz="2200" dirty="0">
+                <a:latin typeface="+mn-lt"/>
+              </a:rPr>
+              <a:t>•By now we made one submission with the prediction made with Sarina model. We used the implementation from </a:t>
+            </a:r>
+            <a:r>
+              <a:rPr lang="en-US" sz="2200" dirty="0">
+                <a:latin typeface="+mn-lt"/>
                 <a:hlinkClick r:id="rId2"/>
               </a:rPr>
               <a:t>statsmodels</a:t>
             </a:r>
             <a:r>
-              <a:rPr lang="en-US" sz="2000" dirty="0"/>
-              <a:t> Python module – SARIMAX function</a:t>
-            </a:r>
-          </a:p>
-          <a:p>
-            <a:pPr marL="457200" indent="-457200">
-              <a:buFont typeface="Arial" panose="020B0604020202020204" pitchFamily="34" charset="0"/>
-              <a:buChar char="•"/>
-            </a:pPr>
-            <a:r>
-              <a:rPr lang="nl-NL" sz="2000" dirty="0"/>
-              <a:t>We </a:t>
-            </a:r>
-            <a:r>
-              <a:rPr lang="nl-NL" sz="2000" dirty="0" err="1"/>
-              <a:t>decided</a:t>
-            </a:r>
-            <a:r>
-              <a:rPr lang="nl-NL" sz="2000" dirty="0"/>
-              <a:t> </a:t>
-            </a:r>
-            <a:r>
-              <a:rPr lang="nl-NL" sz="2000" dirty="0" err="1"/>
-              <a:t>to</a:t>
-            </a:r>
-            <a:r>
-              <a:rPr lang="nl-NL" sz="2000" dirty="0"/>
-              <a:t> experiment </a:t>
-            </a:r>
-            <a:r>
-              <a:rPr lang="nl-NL" sz="2000" dirty="0" err="1"/>
-              <a:t>with</a:t>
-            </a:r>
-            <a:r>
-              <a:rPr lang="nl-NL" sz="2000" dirty="0"/>
-              <a:t> </a:t>
-            </a:r>
-            <a:r>
-              <a:rPr lang="nl-NL" sz="2000" dirty="0" err="1"/>
-              <a:t>this</a:t>
-            </a:r>
-            <a:r>
-              <a:rPr lang="nl-NL" sz="2000" dirty="0"/>
-              <a:t> model </a:t>
-            </a:r>
-            <a:r>
-              <a:rPr lang="nl-NL" sz="2000" dirty="0" err="1"/>
-              <a:t>because</a:t>
-            </a:r>
-            <a:r>
-              <a:rPr lang="nl-NL" sz="2000" dirty="0"/>
-              <a:t> (</a:t>
-            </a:r>
-            <a:r>
-              <a:rPr lang="nl-NL" sz="2000" dirty="0" err="1"/>
-              <a:t>why</a:t>
-            </a:r>
-            <a:r>
-              <a:rPr lang="nl-NL" sz="2000" dirty="0"/>
-              <a:t>? As far as I </a:t>
-            </a:r>
-            <a:r>
-              <a:rPr lang="nl-NL" sz="2000" dirty="0" err="1"/>
-              <a:t>can</a:t>
-            </a:r>
-            <a:r>
-              <a:rPr lang="nl-NL" sz="2000" dirty="0"/>
-              <a:t> </a:t>
-            </a:r>
-            <a:r>
-              <a:rPr lang="nl-NL" sz="2000" dirty="0" err="1"/>
-              <a:t>see</a:t>
-            </a:r>
-            <a:r>
-              <a:rPr lang="nl-NL" sz="2000" dirty="0"/>
-              <a:t> </a:t>
-            </a:r>
-            <a:r>
-              <a:rPr lang="nl-NL" sz="2000" dirty="0" err="1"/>
-              <a:t>now</a:t>
-            </a:r>
-            <a:r>
-              <a:rPr lang="nl-NL" sz="2000" dirty="0"/>
-              <a:t> </a:t>
-            </a:r>
-            <a:r>
-              <a:rPr lang="nl-NL" sz="2000" dirty="0" err="1"/>
-              <a:t>the</a:t>
-            </a:r>
-            <a:r>
-              <a:rPr lang="nl-NL" sz="2000" dirty="0"/>
-              <a:t> </a:t>
-            </a:r>
-            <a:r>
-              <a:rPr lang="nl-NL" sz="2000" dirty="0" err="1"/>
-              <a:t>used</a:t>
-            </a:r>
-            <a:r>
-              <a:rPr lang="nl-NL" sz="2000" dirty="0"/>
-              <a:t> </a:t>
-            </a:r>
-            <a:r>
-              <a:rPr lang="nl-NL" sz="2000" dirty="0" err="1"/>
-              <a:t>implementation</a:t>
-            </a:r>
-            <a:r>
-              <a:rPr lang="nl-NL" sz="2000" dirty="0"/>
-              <a:t> </a:t>
-            </a:r>
-            <a:r>
-              <a:rPr lang="nl-NL" sz="2000" dirty="0" err="1"/>
-              <a:t>allows</a:t>
-            </a:r>
-            <a:r>
-              <a:rPr lang="nl-NL" sz="2000" dirty="0"/>
-              <a:t> </a:t>
-            </a:r>
-            <a:r>
-              <a:rPr lang="nl-NL" sz="2000" dirty="0" err="1"/>
-              <a:t>to</a:t>
-            </a:r>
-            <a:r>
-              <a:rPr lang="nl-NL" sz="2000" dirty="0"/>
-              <a:t> </a:t>
-            </a:r>
-            <a:r>
-              <a:rPr lang="nl-NL" sz="2000" dirty="0" err="1"/>
-              <a:t>try</a:t>
-            </a:r>
-            <a:r>
-              <a:rPr lang="nl-NL" sz="2000" dirty="0"/>
-              <a:t> different options: ARIMA, ARIMAX, SARIMAX, </a:t>
-            </a:r>
-            <a:r>
-              <a:rPr lang="nl-NL" sz="2000" dirty="0" err="1"/>
-              <a:t>this</a:t>
-            </a:r>
-            <a:r>
-              <a:rPr lang="nl-NL" sz="2000" dirty="0"/>
-              <a:t> </a:t>
-            </a:r>
-            <a:r>
-              <a:rPr lang="nl-NL" sz="2000" dirty="0" err="1"/>
-              <a:t>could</a:t>
-            </a:r>
-            <a:r>
-              <a:rPr lang="nl-NL" sz="2000" dirty="0"/>
-              <a:t> </a:t>
-            </a:r>
-            <a:r>
-              <a:rPr lang="nl-NL" sz="2000" dirty="0" err="1"/>
-              <a:t>be</a:t>
-            </a:r>
-            <a:r>
-              <a:rPr lang="nl-NL" sz="2000" dirty="0"/>
-              <a:t> </a:t>
-            </a:r>
-            <a:r>
-              <a:rPr lang="nl-NL" sz="2000" dirty="0" err="1"/>
-              <a:t>an</a:t>
-            </a:r>
-            <a:r>
-              <a:rPr lang="nl-NL" sz="2000" dirty="0"/>
-              <a:t> argument)</a:t>
-            </a:r>
-          </a:p>
-          <a:p>
-            <a:pPr marL="457200" indent="-457200">
-              <a:buFont typeface="Arial" panose="020B0604020202020204" pitchFamily="34" charset="0"/>
-              <a:buChar char="•"/>
-            </a:pPr>
-            <a:r>
-              <a:rPr lang="ru-RU" sz="2000" dirty="0"/>
-              <a:t>70 (?) </a:t>
-            </a:r>
-            <a:r>
-              <a:rPr lang="en-US" sz="2000" dirty="0"/>
-              <a:t>last samples are used as training data</a:t>
-            </a:r>
-          </a:p>
-          <a:p>
-            <a:pPr marL="457200" indent="-457200">
-              <a:buFont typeface="Arial" panose="020B0604020202020204" pitchFamily="34" charset="0"/>
-              <a:buChar char="•"/>
-            </a:pPr>
-            <a:r>
-              <a:rPr lang="nl-NL" sz="2000" dirty="0"/>
-              <a:t>Public score </a:t>
-            </a:r>
-            <a:r>
-              <a:rPr lang="ru-RU" sz="2000" dirty="0"/>
-              <a:t>1.08216</a:t>
-            </a:r>
-            <a:endParaRPr lang="en-US" sz="2000" dirty="0"/>
-          </a:p>
-          <a:p>
-            <a:pPr marL="457200" indent="-457200">
-              <a:buFont typeface="Arial" panose="020B0604020202020204" pitchFamily="34" charset="0"/>
-              <a:buChar char="•"/>
-            </a:pPr>
-            <a:r>
-              <a:rPr lang="en-US" sz="2000" dirty="0"/>
-              <a:t>This helped to figure our how default Kaggle submission works (not from a notebook). Submission was made via Kaggle </a:t>
-            </a:r>
-            <a:r>
-              <a:rPr lang="en-US" sz="2000" dirty="0" err="1"/>
-              <a:t>api</a:t>
-            </a:r>
-            <a:endParaRPr lang="nl-NL" sz="2000" dirty="0"/>
-          </a:p>
-          <a:p>
-            <a:pPr marL="457200" indent="-457200">
-              <a:buFont typeface="Arial" panose="020B0604020202020204" pitchFamily="34" charset="0"/>
-              <a:buChar char="•"/>
-            </a:pPr>
-            <a:endParaRPr lang="en-US" sz="2000" dirty="0"/>
-          </a:p>
-          <a:p>
-            <a:pPr marL="457200" indent="-457200">
-              <a:buFont typeface="Arial" panose="020B0604020202020204" pitchFamily="34" charset="0"/>
-              <a:buChar char="•"/>
-            </a:pPr>
-            <a:endParaRPr lang="nl-NL" sz="2000" dirty="0"/>
-          </a:p>
-          <a:p>
-            <a:pPr marL="457200" indent="-457200">
-              <a:buFont typeface="Arial" panose="020B0604020202020204" pitchFamily="34" charset="0"/>
-              <a:buChar char="•"/>
-            </a:pPr>
-            <a:endParaRPr lang="nl-NL" sz="2000" dirty="0"/>
-          </a:p>
-          <a:p>
-            <a:pPr marL="457200" indent="-457200">
-              <a:buFont typeface="Arial" panose="020B0604020202020204" pitchFamily="34" charset="0"/>
-              <a:buChar char="•"/>
-            </a:pPr>
-            <a:endParaRPr lang="nl-NL" sz="2000" dirty="0"/>
-          </a:p>
-          <a:p>
-            <a:pPr marL="457200" indent="-457200">
-              <a:buFont typeface="Arial" panose="020B0604020202020204" pitchFamily="34" charset="0"/>
-              <a:buChar char="•"/>
-            </a:pPr>
-            <a:endParaRPr lang="ru-RU" sz="2000" dirty="0">
-              <a:latin typeface="+mn-lt"/>
-            </a:endParaRPr>
+              <a:rPr lang="en-US" sz="2200" dirty="0">
+                <a:latin typeface="+mn-lt"/>
+              </a:rPr>
+              <a:t> Python module – SARIMAX function. The choice of parameters – P, D, Q and seasonal periodicity – is non-trivial and for now, we chose it arbitrary. We are looking into the methods to chose parameters for a model.</a:t>
+            </a:r>
+          </a:p>
+          <a:p>
+            <a:r>
+              <a:rPr lang="en-US" sz="2200" dirty="0">
+                <a:latin typeface="+mn-lt"/>
+              </a:rPr>
+              <a:t>•We got public score 1.08216</a:t>
+            </a:r>
+          </a:p>
+          <a:p>
+            <a:r>
+              <a:rPr lang="en-US" sz="2200" dirty="0">
+                <a:latin typeface="+mn-lt"/>
+              </a:rPr>
+              <a:t>•This helped to figure out how to default Kaggle submission works (not from a notebook). The submission was made via Kaggle API</a:t>
+            </a:r>
           </a:p>
         </p:txBody>
       </p:sp>

--- a/Presentation for Elena.pptx
+++ b/Presentation for Elena.pptx
@@ -1537,7 +1537,7 @@
               </a14:hiddenLine>
             </a:ext>
             <a:ext uri="{FAA26D3D-D897-4be2-8F04-BA451C77F1D7}">
-              <ma14:placeholderFlag xmlns:ma14="http://schemas.microsoft.com/office/mac/drawingml/2011/main" xmlns="" val="1"/>
+              <ma14:placeholderFlag xmlns="" xmlns:ma14="http://schemas.microsoft.com/office/mac/drawingml/2011/main" val="1"/>
             </a:ext>
           </a:extLst>
         </p:spPr>
@@ -1598,7 +1598,7 @@
               </a14:hiddenLine>
             </a:ext>
             <a:ext uri="{FAA26D3D-D897-4be2-8F04-BA451C77F1D7}">
-              <ma14:placeholderFlag xmlns:ma14="http://schemas.microsoft.com/office/mac/drawingml/2011/main" xmlns="" val="1"/>
+              <ma14:placeholderFlag xmlns="" xmlns:ma14="http://schemas.microsoft.com/office/mac/drawingml/2011/main" val="1"/>
             </a:ext>
           </a:extLst>
         </p:spPr>
@@ -2267,7 +2267,7 @@
               </a14:hiddenLine>
             </a:ext>
             <a:ext uri="{FAA26D3D-D897-4be2-8F04-BA451C77F1D7}">
-              <ma14:placeholderFlag xmlns:ma14="http://schemas.microsoft.com/office/mac/drawingml/2011/main" xmlns="" val="1"/>
+              <ma14:placeholderFlag xmlns="" xmlns:ma14="http://schemas.microsoft.com/office/mac/drawingml/2011/main" val="1"/>
             </a:ext>
           </a:extLst>
         </p:spPr>
@@ -2328,7 +2328,7 @@
               </a14:hiddenLine>
             </a:ext>
             <a:ext uri="{FAA26D3D-D897-4be2-8F04-BA451C77F1D7}">
-              <ma14:placeholderFlag xmlns:ma14="http://schemas.microsoft.com/office/mac/drawingml/2011/main" xmlns="" val="1"/>
+              <ma14:placeholderFlag xmlns="" xmlns:ma14="http://schemas.microsoft.com/office/mac/drawingml/2011/main" val="1"/>
             </a:ext>
           </a:extLst>
         </p:spPr>
@@ -3045,7 +3045,7 @@
               </a14:hiddenLine>
             </a:ext>
             <a:ext uri="{FAA26D3D-D897-4be2-8F04-BA451C77F1D7}">
-              <ma14:placeholderFlag xmlns:ma14="http://schemas.microsoft.com/office/mac/drawingml/2011/main" xmlns="" val="1"/>
+              <ma14:placeholderFlag xmlns="" xmlns:ma14="http://schemas.microsoft.com/office/mac/drawingml/2011/main" val="1"/>
             </a:ext>
           </a:extLst>
         </p:spPr>
@@ -3341,7 +3341,7 @@
               <a:rPr lang="en-US" sz="2200" dirty="0">
                 <a:latin typeface="+mn-lt"/>
               </a:rPr>
-              <a:t>•By now we made one submission with the prediction made with Sarina model. We used the implementation from </a:t>
+              <a:t>•By now we made one submission with the prediction made with SARIMA model. We used the implementation from </a:t>
             </a:r>
             <a:r>
               <a:rPr lang="en-US" sz="2200" dirty="0">
